--- a/3 - Präsentation/Proseminar - Arbeitspräsentation.pptx
+++ b/3 - Präsentation/Proseminar - Arbeitspräsentation.pptx
@@ -5,7 +5,7 @@
     <p:sldMasterId id="2147483660" r:id="rId1"/>
   </p:sldMasterIdLst>
   <p:notesMasterIdLst>
-    <p:notesMasterId r:id="rId41"/>
+    <p:notesMasterId r:id="rId40"/>
   </p:notesMasterIdLst>
   <p:sldIdLst>
     <p:sldId id="287" r:id="rId2"/>
@@ -45,8 +45,7 @@
     <p:sldId id="285" r:id="rId36"/>
     <p:sldId id="309" r:id="rId37"/>
     <p:sldId id="286" r:id="rId38"/>
-    <p:sldId id="258" r:id="rId39"/>
-    <p:sldId id="288" r:id="rId40"/>
+    <p:sldId id="288" r:id="rId39"/>
   </p:sldIdLst>
   <p:sldSz cx="12192000" cy="6858000"/>
   <p:notesSz cx="6858000" cy="9144000"/>
@@ -235,7 +234,7 @@
           <a:p>
             <a:fld id="{C175F9D6-85A3-484E-B275-9E51CFF63B06}" type="datetimeFigureOut">
               <a:rPr lang="de-DE" smtClean="0"/>
-              <a:t>12.08.2019</a:t>
+              <a:t>13.08.2019</a:t>
             </a:fld>
             <a:endParaRPr lang="de-DE"/>
           </a:p>
@@ -5100,150 +5099,6 @@
     </p:spTree>
     <p:extLst>
       <p:ext uri="{BB962C8B-B14F-4D97-AF65-F5344CB8AC3E}">
-        <p14:creationId xmlns:p14="http://schemas.microsoft.com/office/powerpoint/2010/main" val="3453390611"/>
-      </p:ext>
-    </p:extLst>
-  </p:cSld>
-  <p:clrMapOvr>
-    <a:masterClrMapping/>
-  </p:clrMapOvr>
-</p:notes>
-</file>
-
-<file path=ppt/notesSlides/notesSlide39.xml><?xml version="1.0" encoding="utf-8"?>
-<p:notes xmlns:a="http://schemas.openxmlformats.org/drawingml/2006/main" xmlns:r="http://schemas.openxmlformats.org/officeDocument/2006/relationships" xmlns:p="http://schemas.openxmlformats.org/presentationml/2006/main">
-  <p:cSld>
-    <p:spTree>
-      <p:nvGrpSpPr>
-        <p:cNvPr id="1" name=""/>
-        <p:cNvGrpSpPr/>
-        <p:nvPr/>
-      </p:nvGrpSpPr>
-      <p:grpSpPr>
-        <a:xfrm>
-          <a:off x="0" y="0"/>
-          <a:ext cx="0" cy="0"/>
-          <a:chOff x="0" y="0"/>
-          <a:chExt cx="0" cy="0"/>
-        </a:xfrm>
-      </p:grpSpPr>
-      <p:sp>
-        <p:nvSpPr>
-          <p:cNvPr id="2" name="Folienbildplatzhalter 1"/>
-          <p:cNvSpPr>
-            <a:spLocks noGrp="1" noRot="1" noChangeAspect="1"/>
-          </p:cNvSpPr>
-          <p:nvPr>
-            <p:ph type="sldImg"/>
-          </p:nvPr>
-        </p:nvSpPr>
-        <p:spPr/>
-      </p:sp>
-      <p:sp>
-        <p:nvSpPr>
-          <p:cNvPr id="3" name="Notizenplatzhalter 2"/>
-          <p:cNvSpPr>
-            <a:spLocks noGrp="1"/>
-          </p:cNvSpPr>
-          <p:nvPr>
-            <p:ph type="body" idx="1"/>
-          </p:nvPr>
-        </p:nvSpPr>
-        <p:spPr/>
-        <p:txBody>
-          <a:bodyPr/>
-          <a:lstStyle/>
-          <a:p>
-            <a:pPr marL="0" marR="0" lvl="0" indent="0" algn="l" defTabSz="914400" rtl="0" eaLnBrk="1" fontAlgn="auto" latinLnBrk="0" hangingPunct="1">
-              <a:lnSpc>
-                <a:spcPct val="100000"/>
-              </a:lnSpc>
-              <a:spcBef>
-                <a:spcPts val="0"/>
-              </a:spcBef>
-              <a:spcAft>
-                <a:spcPts val="0"/>
-              </a:spcAft>
-              <a:buClrTx/>
-              <a:buSzTx/>
-              <a:buFontTx/>
-              <a:buNone/>
-              <a:tabLst/>
-              <a:defRPr/>
-            </a:pPr>
-            <a:r>
-              <a:rPr lang="en-US" dirty="0" err="1"/>
-              <a:t>Verpflichtend</a:t>
-            </a:r>
-            <a:r>
-              <a:rPr lang="en-US" dirty="0"/>
-              <a:t> </a:t>
-            </a:r>
-            <a:r>
-              <a:rPr lang="en-US" dirty="0" err="1"/>
-              <a:t>nach</a:t>
-            </a:r>
-            <a:r>
-              <a:rPr lang="en-US" dirty="0"/>
-              <a:t> “</a:t>
-            </a:r>
-            <a:r>
-              <a:rPr lang="en-US" dirty="0" err="1"/>
-              <a:t>Einführung</a:t>
-            </a:r>
-            <a:r>
-              <a:rPr lang="en-US" dirty="0"/>
-              <a:t> in das </a:t>
-            </a:r>
-            <a:r>
-              <a:rPr lang="en-US" dirty="0" err="1"/>
-              <a:t>wissenschaftliche</a:t>
-            </a:r>
-            <a:r>
-              <a:rPr lang="en-US" dirty="0"/>
-              <a:t> </a:t>
-            </a:r>
-            <a:r>
-              <a:rPr lang="en-US" dirty="0" err="1"/>
-              <a:t>Arbeiten</a:t>
-            </a:r>
-            <a:r>
-              <a:rPr lang="en-US" dirty="0"/>
-              <a:t>”.</a:t>
-            </a:r>
-            <a:endParaRPr lang="de-DE" dirty="0"/>
-          </a:p>
-          <a:p>
-            <a:endParaRPr lang="de-DE" dirty="0"/>
-          </a:p>
-        </p:txBody>
-      </p:sp>
-      <p:sp>
-        <p:nvSpPr>
-          <p:cNvPr id="4" name="Foliennummernplatzhalter 3"/>
-          <p:cNvSpPr>
-            <a:spLocks noGrp="1"/>
-          </p:cNvSpPr>
-          <p:nvPr>
-            <p:ph type="sldNum" sz="quarter" idx="5"/>
-          </p:nvPr>
-        </p:nvSpPr>
-        <p:spPr/>
-        <p:txBody>
-          <a:bodyPr/>
-          <a:lstStyle/>
-          <a:p>
-            <a:fld id="{B10178CF-CB66-4547-9354-B2D04153D4B1}" type="slidenum">
-              <a:rPr lang="de-DE" smtClean="0"/>
-              <a:t>39</a:t>
-            </a:fld>
-            <a:endParaRPr lang="de-DE"/>
-          </a:p>
-        </p:txBody>
-      </p:sp>
-    </p:spTree>
-    <p:extLst>
-      <p:ext uri="{BB962C8B-B14F-4D97-AF65-F5344CB8AC3E}">
         <p14:creationId xmlns:p14="http://schemas.microsoft.com/office/powerpoint/2010/main" val="735592937"/>
       </p:ext>
     </p:extLst>
@@ -6265,7 +6120,7 @@
           <a:p>
             <a:fld id="{B0C4104B-3DBE-47B5-82C2-ECCFC3201F22}" type="datetimeFigureOut">
               <a:rPr lang="de-DE" smtClean="0"/>
-              <a:t>12.08.2019</a:t>
+              <a:t>13.08.2019</a:t>
             </a:fld>
             <a:endParaRPr lang="de-DE"/>
           </a:p>
@@ -6463,7 +6318,7 @@
           <a:p>
             <a:fld id="{B0C4104B-3DBE-47B5-82C2-ECCFC3201F22}" type="datetimeFigureOut">
               <a:rPr lang="de-DE" smtClean="0"/>
-              <a:t>12.08.2019</a:t>
+              <a:t>13.08.2019</a:t>
             </a:fld>
             <a:endParaRPr lang="de-DE"/>
           </a:p>
@@ -6671,7 +6526,7 @@
           <a:p>
             <a:fld id="{B0C4104B-3DBE-47B5-82C2-ECCFC3201F22}" type="datetimeFigureOut">
               <a:rPr lang="de-DE" smtClean="0"/>
-              <a:t>12.08.2019</a:t>
+              <a:t>13.08.2019</a:t>
             </a:fld>
             <a:endParaRPr lang="de-DE"/>
           </a:p>
@@ -6891,7 +6746,7 @@
           <a:p>
             <a:fld id="{67AD0B8C-02FD-4C98-B8B0-A1FBF0D4EA96}" type="datetimeFigureOut">
               <a:rPr lang="de-DE" smtClean="0"/>
-              <a:t>12.08.2019</a:t>
+              <a:t>13.08.2019</a:t>
             </a:fld>
             <a:endParaRPr lang="de-DE"/>
           </a:p>
@@ -7089,7 +6944,7 @@
           <a:p>
             <a:fld id="{B0C4104B-3DBE-47B5-82C2-ECCFC3201F22}" type="datetimeFigureOut">
               <a:rPr lang="de-DE" smtClean="0"/>
-              <a:t>12.08.2019</a:t>
+              <a:t>13.08.2019</a:t>
             </a:fld>
             <a:endParaRPr lang="de-DE"/>
           </a:p>
@@ -7364,7 +7219,7 @@
           <a:p>
             <a:fld id="{B0C4104B-3DBE-47B5-82C2-ECCFC3201F22}" type="datetimeFigureOut">
               <a:rPr lang="de-DE" smtClean="0"/>
-              <a:t>12.08.2019</a:t>
+              <a:t>13.08.2019</a:t>
             </a:fld>
             <a:endParaRPr lang="de-DE"/>
           </a:p>
@@ -7629,7 +7484,7 @@
           <a:p>
             <a:fld id="{B0C4104B-3DBE-47B5-82C2-ECCFC3201F22}" type="datetimeFigureOut">
               <a:rPr lang="de-DE" smtClean="0"/>
-              <a:t>12.08.2019</a:t>
+              <a:t>13.08.2019</a:t>
             </a:fld>
             <a:endParaRPr lang="de-DE"/>
           </a:p>
@@ -8041,7 +7896,7 @@
           <a:p>
             <a:fld id="{B0C4104B-3DBE-47B5-82C2-ECCFC3201F22}" type="datetimeFigureOut">
               <a:rPr lang="de-DE" smtClean="0"/>
-              <a:t>12.08.2019</a:t>
+              <a:t>13.08.2019</a:t>
             </a:fld>
             <a:endParaRPr lang="de-DE"/>
           </a:p>
@@ -8182,7 +8037,7 @@
           <a:p>
             <a:fld id="{B0C4104B-3DBE-47B5-82C2-ECCFC3201F22}" type="datetimeFigureOut">
               <a:rPr lang="de-DE" smtClean="0"/>
-              <a:t>12.08.2019</a:t>
+              <a:t>13.08.2019</a:t>
             </a:fld>
             <a:endParaRPr lang="de-DE"/>
           </a:p>
@@ -8295,7 +8150,7 @@
           <a:p>
             <a:fld id="{B0C4104B-3DBE-47B5-82C2-ECCFC3201F22}" type="datetimeFigureOut">
               <a:rPr lang="de-DE" smtClean="0"/>
-              <a:t>12.08.2019</a:t>
+              <a:t>13.08.2019</a:t>
             </a:fld>
             <a:endParaRPr lang="de-DE"/>
           </a:p>
@@ -8606,7 +8461,7 @@
           <a:p>
             <a:fld id="{B0C4104B-3DBE-47B5-82C2-ECCFC3201F22}" type="datetimeFigureOut">
               <a:rPr lang="de-DE" smtClean="0"/>
-              <a:t>12.08.2019</a:t>
+              <a:t>13.08.2019</a:t>
             </a:fld>
             <a:endParaRPr lang="de-DE"/>
           </a:p>
@@ -8894,7 +8749,7 @@
           <a:p>
             <a:fld id="{B0C4104B-3DBE-47B5-82C2-ECCFC3201F22}" type="datetimeFigureOut">
               <a:rPr lang="de-DE" smtClean="0"/>
-              <a:t>12.08.2019</a:t>
+              <a:t>13.08.2019</a:t>
             </a:fld>
             <a:endParaRPr lang="de-DE"/>
           </a:p>
@@ -9135,7 +8990,7 @@
           <a:p>
             <a:fld id="{B0C4104B-3DBE-47B5-82C2-ECCFC3201F22}" type="datetimeFigureOut">
               <a:rPr lang="de-DE" smtClean="0"/>
-              <a:t>12.08.2019</a:t>
+              <a:t>13.08.2019</a:t>
             </a:fld>
             <a:endParaRPr lang="de-DE"/>
           </a:p>
@@ -15666,7 +15521,7 @@
                   <a:schemeClr val="bg1"/>
                 </a:solidFill>
               </a:rPr>
-              <a:t>Abbildung 2: Übersichtlichkeitsproblem</a:t>
+              <a:t>Abbildung 2: Übersichtlichkeitsproblem anhand Wimmelbild von „Hidden Folks“</a:t>
             </a:r>
           </a:p>
         </p:txBody>
@@ -15681,13 +15536,13 @@
   <p:clrMapOvr>
     <a:masterClrMapping/>
   </p:clrMapOvr>
-  <mc:AlternateContent xmlns:mc="http://schemas.openxmlformats.org/markup-compatibility/2006">
-    <mc:Choice xmlns:p159="http://schemas.microsoft.com/office/powerpoint/2015/09/main" Requires="p159">
-      <p:transition xmlns:p14="http://schemas.microsoft.com/office/powerpoint/2010/main" spd="slow" p14:dur="1500">
+  <mc:AlternateContent xmlns:mc="http://schemas.openxmlformats.org/markup-compatibility/2006" xmlns:p159="http://schemas.microsoft.com/office/powerpoint/2015/09/main">
+    <mc:Choice Requires="p159">
+      <p:transition xmlns:p14="http://schemas.microsoft.com/office/powerpoint/2010/main" spd="slow" p14:dur="2000">
         <p159:morph option="byObject"/>
       </p:transition>
     </mc:Choice>
-    <mc:Fallback>
+    <mc:Fallback xmlns="">
       <p:transition spd="slow">
         <p:fade/>
       </p:transition>
@@ -16416,10 +16271,10 @@
       </p:grpSp>
       <p:sp>
         <p:nvSpPr>
-          <p:cNvPr id="31" name="Rechteck 30">
+          <p:cNvPr id="32" name="Rechteck 31">
             <a:extLst>
               <a:ext uri="{FF2B5EF4-FFF2-40B4-BE49-F238E27FC236}">
-                <a16:creationId xmlns:a16="http://schemas.microsoft.com/office/drawing/2014/main" id="{44FD8939-5CEF-4D17-8FD1-CC1592765A4C}"/>
+                <a16:creationId xmlns:a16="http://schemas.microsoft.com/office/drawing/2014/main" id="{82821B06-5DB1-4273-B408-F6A2D4D3E925}"/>
               </a:ext>
             </a:extLst>
           </p:cNvPr>
@@ -16468,7 +16323,7 @@
                   <a:schemeClr val="bg1"/>
                 </a:solidFill>
               </a:rPr>
-              <a:t>Abbildung 2: Übersichtlichkeitsproblem</a:t>
+              <a:t>Abbildung 2: Übersichtlichkeitsproblem anhand Wimmelbild von „Hidden Folks“</a:t>
             </a:r>
           </a:p>
         </p:txBody>
@@ -16483,13 +16338,13 @@
   <p:clrMapOvr>
     <a:masterClrMapping/>
   </p:clrMapOvr>
-  <mc:AlternateContent xmlns:mc="http://schemas.openxmlformats.org/markup-compatibility/2006">
-    <mc:Choice xmlns:p159="http://schemas.microsoft.com/office/powerpoint/2015/09/main" Requires="p159">
+  <mc:AlternateContent xmlns:mc="http://schemas.openxmlformats.org/markup-compatibility/2006" xmlns:p159="http://schemas.microsoft.com/office/powerpoint/2015/09/main">
+    <mc:Choice Requires="p159">
       <p:transition spd="med">
         <p159:morph option="byObject"/>
       </p:transition>
     </mc:Choice>
-    <mc:Fallback>
+    <mc:Fallback xmlns="">
       <p:transition spd="med">
         <p:fade/>
       </p:transition>
@@ -17218,10 +17073,10 @@
       </p:grpSp>
       <p:sp>
         <p:nvSpPr>
-          <p:cNvPr id="31" name="Rechteck 30">
+          <p:cNvPr id="32" name="Rechteck 31">
             <a:extLst>
               <a:ext uri="{FF2B5EF4-FFF2-40B4-BE49-F238E27FC236}">
-                <a16:creationId xmlns:a16="http://schemas.microsoft.com/office/drawing/2014/main" id="{44FD8939-5CEF-4D17-8FD1-CC1592765A4C}"/>
+                <a16:creationId xmlns:a16="http://schemas.microsoft.com/office/drawing/2014/main" id="{1155554E-3161-4912-9540-908D0D345902}"/>
               </a:ext>
             </a:extLst>
           </p:cNvPr>
@@ -17270,7 +17125,7 @@
                   <a:schemeClr val="bg1"/>
                 </a:solidFill>
               </a:rPr>
-              <a:t>Abbildung 2: Übersichtlichkeitsproblem</a:t>
+              <a:t>Abbildung 2: Übersichtlichkeitsproblem anhand Wimmelbild von „Hidden Folks“</a:t>
             </a:r>
           </a:p>
         </p:txBody>
@@ -17285,13 +17140,13 @@
   <p:clrMapOvr>
     <a:masterClrMapping/>
   </p:clrMapOvr>
-  <mc:AlternateContent xmlns:mc="http://schemas.openxmlformats.org/markup-compatibility/2006">
-    <mc:Choice xmlns:p159="http://schemas.microsoft.com/office/powerpoint/2015/09/main" Requires="p159">
+  <mc:AlternateContent xmlns:mc="http://schemas.openxmlformats.org/markup-compatibility/2006" xmlns:p159="http://schemas.microsoft.com/office/powerpoint/2015/09/main">
+    <mc:Choice Requires="p159">
       <p:transition spd="med">
         <p159:morph option="byObject"/>
       </p:transition>
     </mc:Choice>
-    <mc:Fallback>
+    <mc:Fallback xmlns="">
       <p:transition spd="med">
         <p:fade/>
       </p:transition>
@@ -18020,10 +17875,10 @@
       </p:grpSp>
       <p:sp>
         <p:nvSpPr>
-          <p:cNvPr id="31" name="Rechteck 30">
+          <p:cNvPr id="32" name="Rechteck 31">
             <a:extLst>
               <a:ext uri="{FF2B5EF4-FFF2-40B4-BE49-F238E27FC236}">
-                <a16:creationId xmlns:a16="http://schemas.microsoft.com/office/drawing/2014/main" id="{44FD8939-5CEF-4D17-8FD1-CC1592765A4C}"/>
+                <a16:creationId xmlns:a16="http://schemas.microsoft.com/office/drawing/2014/main" id="{0B9585BE-941D-476A-9E56-FCD8535E399D}"/>
               </a:ext>
             </a:extLst>
           </p:cNvPr>
@@ -18072,7 +17927,7 @@
                   <a:schemeClr val="bg1"/>
                 </a:solidFill>
               </a:rPr>
-              <a:t>Abbildung 2: Übersichtlichkeitsproblem</a:t>
+              <a:t>Abbildung 2: Übersichtlichkeitsproblem anhand Wimmelbild von „Hidden Folks“</a:t>
             </a:r>
           </a:p>
         </p:txBody>
@@ -18087,13 +17942,13 @@
   <p:clrMapOvr>
     <a:masterClrMapping/>
   </p:clrMapOvr>
-  <mc:AlternateContent xmlns:mc="http://schemas.openxmlformats.org/markup-compatibility/2006">
-    <mc:Choice xmlns:p159="http://schemas.microsoft.com/office/powerpoint/2015/09/main" Requires="p159">
+  <mc:AlternateContent xmlns:mc="http://schemas.openxmlformats.org/markup-compatibility/2006" xmlns:p159="http://schemas.microsoft.com/office/powerpoint/2015/09/main">
+    <mc:Choice Requires="p159">
       <p:transition spd="med">
         <p159:morph option="byObject"/>
       </p:transition>
     </mc:Choice>
-    <mc:Fallback>
+    <mc:Fallback xmlns="">
       <p:transition spd="med">
         <p:fade/>
       </p:transition>
@@ -27875,6 +27730,72 @@
           </a:p>
         </p:txBody>
       </p:sp>
+      <p:sp>
+        <p:nvSpPr>
+          <p:cNvPr id="31" name="Rechteck: abgerundete Ecken 30">
+            <a:extLst>
+              <a:ext uri="{FF2B5EF4-FFF2-40B4-BE49-F238E27FC236}">
+                <a16:creationId xmlns:a16="http://schemas.microsoft.com/office/drawing/2014/main" id="{9D5B2C66-3D39-46C7-AA11-E8C2BAEC62DC}"/>
+              </a:ext>
+            </a:extLst>
+          </p:cNvPr>
+          <p:cNvSpPr/>
+          <p:nvPr/>
+        </p:nvSpPr>
+        <p:spPr>
+          <a:xfrm>
+            <a:off x="464350" y="103670"/>
+            <a:ext cx="11168057" cy="683730"/>
+          </a:xfrm>
+          <a:prstGeom prst="roundRect">
+            <a:avLst/>
+          </a:prstGeom>
+          <a:solidFill>
+            <a:schemeClr val="tx1">
+              <a:lumMod val="85000"/>
+              <a:lumOff val="15000"/>
+            </a:schemeClr>
+          </a:solidFill>
+          <a:ln w="38100">
+            <a:solidFill>
+              <a:schemeClr val="bg1">
+                <a:lumMod val="65000"/>
+              </a:schemeClr>
+            </a:solidFill>
+          </a:ln>
+        </p:spPr>
+        <p:style>
+          <a:lnRef idx="2">
+            <a:schemeClr val="accent1">
+              <a:shade val="50000"/>
+            </a:schemeClr>
+          </a:lnRef>
+          <a:fillRef idx="1">
+            <a:schemeClr val="accent1"/>
+          </a:fillRef>
+          <a:effectRef idx="0">
+            <a:schemeClr val="accent1"/>
+          </a:effectRef>
+          <a:fontRef idx="minor">
+            <a:schemeClr val="lt1"/>
+          </a:fontRef>
+        </p:style>
+        <p:txBody>
+          <a:bodyPr rtlCol="0" anchor="ctr"/>
+          <a:lstStyle/>
+          <a:p>
+            <a:pPr algn="ctr"/>
+            <a:r>
+              <a:rPr lang="de-DE" sz="3200" b="1" dirty="0">
+                <a:solidFill>
+                  <a:schemeClr val="bg1"/>
+                </a:solidFill>
+              </a:rPr>
+              <a:t>Motorische Fähigkeitsübertragung</a:t>
+            </a:r>
+          </a:p>
+        </p:txBody>
+      </p:sp>
     </p:spTree>
     <p:extLst>
       <p:ext uri="{BB962C8B-B14F-4D97-AF65-F5344CB8AC3E}">
@@ -27953,53 +27874,6 @@
           </a:prstGeom>
         </p:spPr>
       </p:pic>
-      <p:cxnSp>
-        <p:nvCxnSpPr>
-          <p:cNvPr id="37" name="Verbinder: gewinkelt 36">
-            <a:extLst>
-              <a:ext uri="{FF2B5EF4-FFF2-40B4-BE49-F238E27FC236}">
-                <a16:creationId xmlns:a16="http://schemas.microsoft.com/office/drawing/2014/main" id="{99F3BF16-670E-488C-B73D-B07175370278}"/>
-              </a:ext>
-            </a:extLst>
-          </p:cNvPr>
-          <p:cNvCxnSpPr>
-            <a:cxnSpLocks/>
-            <a:endCxn id="34" idx="1"/>
-          </p:cNvCxnSpPr>
-          <p:nvPr/>
-        </p:nvCxnSpPr>
-        <p:spPr>
-          <a:xfrm>
-            <a:off x="4333397" y="3427390"/>
-            <a:ext cx="2367350" cy="880390"/>
-          </a:xfrm>
-          <a:prstGeom prst="bentConnector3">
-            <a:avLst>
-              <a:gd name="adj1" fmla="val -330"/>
-            </a:avLst>
-          </a:prstGeom>
-          <a:ln w="76200">
-            <a:solidFill>
-              <a:schemeClr val="tx1"/>
-            </a:solidFill>
-            <a:tailEnd type="triangle"/>
-          </a:ln>
-        </p:spPr>
-        <p:style>
-          <a:lnRef idx="1">
-            <a:schemeClr val="accent1"/>
-          </a:lnRef>
-          <a:fillRef idx="0">
-            <a:schemeClr val="accent1"/>
-          </a:fillRef>
-          <a:effectRef idx="0">
-            <a:schemeClr val="accent1"/>
-          </a:effectRef>
-          <a:fontRef idx="minor">
-            <a:schemeClr val="tx1"/>
-          </a:fontRef>
-        </p:style>
-      </p:cxnSp>
       <p:grpSp>
         <p:nvGrpSpPr>
           <p:cNvPr id="18" name="Gruppieren 17">
@@ -28693,10 +28567,10 @@
             <a:p>
               <a:pPr algn="ctr"/>
               <a:r>
-                <a:rPr lang="en-US" sz="2800" dirty="0" err="1"/>
+                <a:rPr lang="en-US" sz="3200" b="1" dirty="0" err="1"/>
                 <a:t>Warum</a:t>
               </a:r>
-              <a:endParaRPr lang="de-DE" sz="2800" dirty="0"/>
+              <a:endParaRPr lang="de-DE" sz="2800" b="1" dirty="0"/>
             </a:p>
           </p:txBody>
         </p:sp>
@@ -28846,8 +28720,8 @@
             <a:p>
               <a:pPr algn="ctr"/>
               <a:r>
-                <a:rPr lang="en-US" sz="2800" dirty="0" err="1"/>
-                <a:t>Begrenztheit</a:t>
+                <a:rPr lang="en-US" sz="3200" b="1" dirty="0" err="1"/>
+                <a:t>Endlichkeit</a:t>
               </a:r>
               <a:r>
                 <a:rPr lang="en-US" sz="2800" dirty="0"/>
@@ -29015,8 +28889,8 @@
             <a:p>
               <a:pPr algn="ctr"/>
               <a:r>
-                <a:rPr lang="en-US" sz="2800" dirty="0" err="1"/>
-                <a:t>Wichtigkeit</a:t>
+                <a:rPr lang="en-US" sz="3200" b="1" dirty="0" err="1"/>
+                <a:t>Bedeutung</a:t>
               </a:r>
               <a:r>
                 <a:rPr lang="en-US" sz="2800" dirty="0"/>
@@ -29052,10 +28926,22 @@
               </a:r>
               <a:r>
                 <a:rPr lang="en-US" sz="2800" dirty="0"/>
-                <a:t> Zeit und </a:t>
+                <a:t> </a:t>
               </a:r>
               <a:r>
-                <a:rPr lang="en-US" sz="2800" dirty="0" err="1"/>
+                <a:rPr lang="en-US" sz="3200" b="1" dirty="0">
+                  <a:solidFill>
+                    <a:schemeClr val="bg1"/>
+                  </a:solidFill>
+                </a:rPr>
+                <a:t>Zeit</a:t>
+              </a:r>
+              <a:r>
+                <a:rPr lang="en-US" sz="2800" dirty="0"/>
+                <a:t> und </a:t>
+              </a:r>
+              <a:r>
+                <a:rPr lang="en-US" sz="3200" b="1" dirty="0" err="1"/>
                 <a:t>Energie</a:t>
               </a:r>
               <a:r>
@@ -29209,6 +29095,52 @@
       </p:grpSp>
       <p:cxnSp>
         <p:nvCxnSpPr>
+          <p:cNvPr id="37" name="Verbinder: gewinkelt 36">
+            <a:extLst>
+              <a:ext uri="{FF2B5EF4-FFF2-40B4-BE49-F238E27FC236}">
+                <a16:creationId xmlns:a16="http://schemas.microsoft.com/office/drawing/2014/main" id="{99F3BF16-670E-488C-B73D-B07175370278}"/>
+              </a:ext>
+            </a:extLst>
+          </p:cNvPr>
+          <p:cNvCxnSpPr>
+            <a:cxnSpLocks/>
+            <a:stCxn id="33" idx="4"/>
+            <a:endCxn id="34" idx="1"/>
+          </p:cNvCxnSpPr>
+          <p:nvPr/>
+        </p:nvCxnSpPr>
+        <p:spPr>
+          <a:xfrm rot="16200000" flipH="1">
+            <a:off x="5078589" y="2685622"/>
+            <a:ext cx="878780" cy="2365535"/>
+          </a:xfrm>
+          <a:prstGeom prst="bentConnector2">
+            <a:avLst/>
+          </a:prstGeom>
+          <a:ln w="76200">
+            <a:solidFill>
+              <a:schemeClr val="tx1"/>
+            </a:solidFill>
+            <a:tailEnd type="triangle"/>
+          </a:ln>
+        </p:spPr>
+        <p:style>
+          <a:lnRef idx="1">
+            <a:schemeClr val="accent1"/>
+          </a:lnRef>
+          <a:fillRef idx="0">
+            <a:schemeClr val="accent1"/>
+          </a:fillRef>
+          <a:effectRef idx="0">
+            <a:schemeClr val="accent1"/>
+          </a:effectRef>
+          <a:fontRef idx="minor">
+            <a:schemeClr val="tx1"/>
+          </a:fontRef>
+        </p:style>
+      </p:cxnSp>
+      <p:cxnSp>
+        <p:nvCxnSpPr>
           <p:cNvPr id="17" name="Verbinder: gewinkelt 16">
             <a:extLst>
               <a:ext uri="{FF2B5EF4-FFF2-40B4-BE49-F238E27FC236}">
@@ -29265,7 +29197,7 @@
   </p:clrMapOvr>
   <mc:AlternateContent xmlns:mc="http://schemas.openxmlformats.org/markup-compatibility/2006" xmlns:p159="http://schemas.microsoft.com/office/powerpoint/2015/09/main">
     <mc:Choice Requires="p159">
-      <p:transition xmlns:p14="http://schemas.microsoft.com/office/powerpoint/2010/main" spd="slow" p14:dur="1500">
+      <p:transition xmlns:p14="http://schemas.microsoft.com/office/powerpoint/2010/main" spd="slow" p14:dur="2000">
         <p159:morph option="byObject"/>
       </p:transition>
     </mc:Choice>
@@ -37086,112 +37018,6 @@
       </p:grpSpPr>
       <p:sp>
         <p:nvSpPr>
-          <p:cNvPr id="2" name="Rechteck 1">
-            <a:extLst>
-              <a:ext uri="{FF2B5EF4-FFF2-40B4-BE49-F238E27FC236}">
-                <a16:creationId xmlns:a16="http://schemas.microsoft.com/office/drawing/2014/main" id="{90803450-99F5-4156-9EE8-9DFDCDF8DAC3}"/>
-              </a:ext>
-            </a:extLst>
-          </p:cNvPr>
-          <p:cNvSpPr/>
-          <p:nvPr/>
-        </p:nvSpPr>
-        <p:spPr>
-          <a:xfrm>
-            <a:off x="-12356" y="0"/>
-            <a:ext cx="12204356" cy="6858000"/>
-          </a:xfrm>
-          <a:prstGeom prst="rect">
-            <a:avLst/>
-          </a:prstGeom>
-          <a:solidFill>
-            <a:schemeClr val="accent6">
-              <a:lumMod val="60000"/>
-              <a:lumOff val="40000"/>
-            </a:schemeClr>
-          </a:solidFill>
-          <a:ln w="317500" cap="rnd">
-            <a:solidFill>
-              <a:schemeClr val="tx1"/>
-            </a:solidFill>
-            <a:bevel/>
-          </a:ln>
-        </p:spPr>
-        <p:style>
-          <a:lnRef idx="2">
-            <a:schemeClr val="accent1">
-              <a:shade val="50000"/>
-            </a:schemeClr>
-          </a:lnRef>
-          <a:fillRef idx="1">
-            <a:schemeClr val="accent1"/>
-          </a:fillRef>
-          <a:effectRef idx="0">
-            <a:schemeClr val="accent1"/>
-          </a:effectRef>
-          <a:fontRef idx="minor">
-            <a:schemeClr val="lt1"/>
-          </a:fontRef>
-        </p:style>
-        <p:txBody>
-          <a:bodyPr rtlCol="0" anchor="ctr"/>
-          <a:lstStyle/>
-          <a:p>
-            <a:pPr algn="ctr"/>
-            <a:r>
-              <a:rPr lang="en-US" sz="10000" b="1" dirty="0" err="1">
-                <a:ln w="25400">
-                  <a:solidFill>
-                    <a:schemeClr val="tx1"/>
-                  </a:solidFill>
-                </a:ln>
-                <a:latin typeface="Century" panose="02040604050505020304" pitchFamily="18" charset="0"/>
-              </a:rPr>
-              <a:t>Fazitfolie</a:t>
-            </a:r>
-            <a:endParaRPr lang="de-DE" sz="10000" b="1" dirty="0">
-              <a:ln w="25400">
-                <a:solidFill>
-                  <a:schemeClr val="tx1"/>
-                </a:solidFill>
-              </a:ln>
-              <a:latin typeface="Century" panose="02040604050505020304" pitchFamily="18" charset="0"/>
-            </a:endParaRPr>
-          </a:p>
-        </p:txBody>
-      </p:sp>
-    </p:spTree>
-    <p:extLst>
-      <p:ext uri="{BB962C8B-B14F-4D97-AF65-F5344CB8AC3E}">
-        <p14:creationId xmlns:p14="http://schemas.microsoft.com/office/powerpoint/2010/main" val="1854642655"/>
-      </p:ext>
-    </p:extLst>
-  </p:cSld>
-  <p:clrMapOvr>
-    <a:masterClrMapping/>
-  </p:clrMapOvr>
-</p:sld>
-</file>
-
-<file path=ppt/slides/slide39.xml><?xml version="1.0" encoding="utf-8"?>
-<p:sld xmlns:a="http://schemas.openxmlformats.org/drawingml/2006/main" xmlns:r="http://schemas.openxmlformats.org/officeDocument/2006/relationships" xmlns:p="http://schemas.openxmlformats.org/presentationml/2006/main">
-  <p:cSld>
-    <p:spTree>
-      <p:nvGrpSpPr>
-        <p:cNvPr id="1" name=""/>
-        <p:cNvGrpSpPr/>
-        <p:nvPr/>
-      </p:nvGrpSpPr>
-      <p:grpSpPr>
-        <a:xfrm>
-          <a:off x="0" y="0"/>
-          <a:ext cx="0" cy="0"/>
-          <a:chOff x="0" y="0"/>
-          <a:chExt cx="0" cy="0"/>
-        </a:xfrm>
-      </p:grpSpPr>
-      <p:sp>
-        <p:nvSpPr>
           <p:cNvPr id="3" name="Titel 2">
             <a:extLst>
               <a:ext uri="{FF2B5EF4-FFF2-40B4-BE49-F238E27FC236}">
@@ -37220,10 +37046,10 @@
           <a:p>
             <a:pPr algn="ctr"/>
             <a:r>
-              <a:rPr lang="en-US" dirty="0" err="1"/>
+              <a:rPr lang="en-US" b="1" dirty="0" err="1"/>
               <a:t>Abbildungsquellen</a:t>
             </a:r>
-            <a:endParaRPr lang="de-DE" dirty="0"/>
+            <a:endParaRPr lang="de-DE" b="1" dirty="0"/>
           </a:p>
         </p:txBody>
       </p:sp>
@@ -37245,8 +37071,8 @@
         </p:nvSpPr>
         <p:spPr>
           <a:xfrm>
-            <a:off x="839788" y="766760"/>
-            <a:ext cx="5157787" cy="823912"/>
+            <a:off x="839788" y="729674"/>
+            <a:ext cx="5157787" cy="537734"/>
           </a:xfrm>
         </p:spPr>
         <p:txBody>
@@ -37279,13 +37105,13 @@
         </p:nvSpPr>
         <p:spPr>
           <a:xfrm>
-            <a:off x="839788" y="1590672"/>
-            <a:ext cx="5157787" cy="3684588"/>
+            <a:off x="839789" y="1267408"/>
+            <a:ext cx="3157176" cy="5318118"/>
           </a:xfrm>
         </p:spPr>
         <p:txBody>
           <a:bodyPr>
-            <a:normAutofit fontScale="55000" lnSpcReduction="20000"/>
+            <a:normAutofit fontScale="85000" lnSpcReduction="10000"/>
           </a:bodyPr>
           <a:lstStyle/>
           <a:p>
@@ -37314,7 +37140,7 @@
             </a:pPr>
             <a:r>
               <a:rPr lang="de-DE" sz="1800" dirty="0"/>
-              <a:t>Übersichtlichkeitsproblem</a:t>
+              <a:t>Übersichtlichkeits-problem anhand Wimmelbild von „Hidden Folks“ Übersicht der Anwendungen von haptischen Geräten</a:t>
             </a:r>
           </a:p>
           <a:p>
@@ -37413,8 +37239,8 @@
         </p:nvSpPr>
         <p:spPr>
           <a:xfrm>
-            <a:off x="6172200" y="766760"/>
-            <a:ext cx="5183188" cy="823912"/>
+            <a:off x="4405745" y="729674"/>
+            <a:ext cx="6949643" cy="537734"/>
           </a:xfrm>
         </p:spPr>
         <p:txBody>
@@ -37447,13 +37273,13 @@
         </p:nvSpPr>
         <p:spPr>
           <a:xfrm>
-            <a:off x="6172200" y="1590672"/>
-            <a:ext cx="5183188" cy="3684588"/>
+            <a:off x="4405745" y="1267407"/>
+            <a:ext cx="6949643" cy="5318119"/>
           </a:xfrm>
         </p:spPr>
         <p:txBody>
           <a:bodyPr vert="horz" lIns="91440" tIns="45720" rIns="91440" bIns="45720" rtlCol="0">
-            <a:normAutofit fontScale="55000" lnSpcReduction="20000"/>
+            <a:normAutofit fontScale="85000" lnSpcReduction="10000"/>
           </a:bodyPr>
           <a:lstStyle/>
           <a:p>
@@ -37510,18 +37336,9 @@
               <a:buAutoNum type="arabicPeriod"/>
             </a:pPr>
             <a:r>
-              <a:rPr lang="de-DE" sz="1800" dirty="0">
-                <a:hlinkClick r:id="rId3">
-                  <a:extLst>
-                    <a:ext uri="{A12FA001-AC4F-418D-AE19-62706E023703}">
-                      <ahyp:hlinkClr xmlns:ahyp="http://schemas.microsoft.com/office/drawing/2018/hyperlinkcolor" val="tx"/>
-                    </a:ext>
-                  </a:extLst>
-                </a:hlinkClick>
-              </a:rPr>
+              <a:rPr lang="de-DE" sz="1800" dirty="0"/>
               <a:t>https://hiddenfolks.com/</a:t>
             </a:r>
-            <a:endParaRPr lang="de-DE" sz="1800" dirty="0"/>
           </a:p>
           <a:p>
             <a:pPr marL="514350" indent="-514350">
@@ -39482,65 +39299,6 @@
           </p:txBody>
         </p:sp>
       </p:grpSp>
-      <p:sp>
-        <p:nvSpPr>
-          <p:cNvPr id="4" name="Rechteck 3">
-            <a:extLst>
-              <a:ext uri="{FF2B5EF4-FFF2-40B4-BE49-F238E27FC236}">
-                <a16:creationId xmlns:a16="http://schemas.microsoft.com/office/drawing/2014/main" id="{7F5909E1-CB59-4443-8763-430B3D1BC1EF}"/>
-              </a:ext>
-            </a:extLst>
-          </p:cNvPr>
-          <p:cNvSpPr/>
-          <p:nvPr/>
-        </p:nvSpPr>
-        <p:spPr>
-          <a:xfrm>
-            <a:off x="-1" y="5969000"/>
-            <a:ext cx="12191991" cy="294476"/>
-          </a:xfrm>
-          <a:prstGeom prst="rect">
-            <a:avLst/>
-          </a:prstGeom>
-          <a:solidFill>
-            <a:schemeClr val="tx1">
-              <a:lumMod val="75000"/>
-              <a:lumOff val="25000"/>
-            </a:schemeClr>
-          </a:solidFill>
-        </p:spPr>
-        <p:style>
-          <a:lnRef idx="2">
-            <a:schemeClr val="accent1">
-              <a:shade val="50000"/>
-            </a:schemeClr>
-          </a:lnRef>
-          <a:fillRef idx="1">
-            <a:schemeClr val="accent1"/>
-          </a:fillRef>
-          <a:effectRef idx="0">
-            <a:schemeClr val="accent1"/>
-          </a:effectRef>
-          <a:fontRef idx="minor">
-            <a:schemeClr val="lt1"/>
-          </a:fontRef>
-        </p:style>
-        <p:txBody>
-          <a:bodyPr rtlCol="0" anchor="ctr"/>
-          <a:lstStyle/>
-          <a:p>
-            <a:pPr algn="ctr"/>
-            <a:r>
-              <a:rPr lang="de-DE" dirty="0">
-                <a:solidFill>
-                  <a:schemeClr val="bg1"/>
-                </a:solidFill>
-              </a:rPr>
-              <a:t>Abbildung 1: Kapazitäts-Modell der Aufmerksamkeit</a:t>
-            </a:r>
-          </a:p>
-        </p:txBody>
-      </p:sp>
       <p:cxnSp>
         <p:nvCxnSpPr>
           <p:cNvPr id="50" name="Verbinder: gewinkelt 49">
@@ -39661,10 +39419,10 @@
             <a:p>
               <a:pPr algn="ctr"/>
               <a:r>
-                <a:rPr lang="en-US" sz="2800" dirty="0"/>
+                <a:rPr lang="en-US" sz="3200" b="1" dirty="0"/>
                 <a:t>Wie</a:t>
               </a:r>
-              <a:endParaRPr lang="de-DE" sz="2800" dirty="0"/>
+              <a:endParaRPr lang="de-DE" sz="2800" b="1" dirty="0"/>
             </a:p>
           </p:txBody>
         </p:sp>
@@ -39830,10 +39588,10 @@
                 <a:t> </a:t>
               </a:r>
               <a:r>
-                <a:rPr lang="en-US" sz="2800" dirty="0" err="1"/>
+                <a:rPr lang="en-US" sz="3200" b="1" dirty="0" err="1"/>
                 <a:t>Sinne</a:t>
               </a:r>
-              <a:endParaRPr lang="de-DE" sz="2800" dirty="0"/>
+              <a:endParaRPr lang="de-DE" sz="2800" b="1" dirty="0"/>
             </a:p>
           </p:txBody>
         </p:sp>
@@ -39991,16 +39749,16 @@
                 <a:t> die </a:t>
               </a:r>
               <a:r>
-                <a:rPr lang="en-US" sz="2800" dirty="0" err="1"/>
+                <a:rPr lang="en-US" sz="3200" b="1" dirty="0" err="1"/>
                 <a:t>Vorteile</a:t>
               </a:r>
               <a:r>
                 <a:rPr lang="en-US" sz="2800" dirty="0"/>
-                <a:t>, die </a:t>
+                <a:t>, die der </a:t>
               </a:r>
               <a:r>
-                <a:rPr lang="en-US" sz="2800" dirty="0" err="1"/>
-                <a:t>haptischer</a:t>
+                <a:rPr lang="en-US" sz="3200" b="1" dirty="0" err="1"/>
+                <a:t>haptische</a:t>
               </a:r>
               <a:r>
                 <a:rPr lang="en-US" sz="2800" dirty="0"/>
